--- a/RA-L Hetro Sensors/pictures/shotgather_hex.pptx
+++ b/RA-L Hetro Sensors/pictures/shotgather_hex.pptx
@@ -2,12 +2,12 @@
 <file path=ppt/presentation.xml><?xml version="1.0" encoding="utf-8"?>
 <p:presentation xmlns:a="http://schemas.openxmlformats.org/drawingml/2006/main" xmlns:r="http://schemas.openxmlformats.org/officeDocument/2006/relationships" xmlns:p="http://schemas.openxmlformats.org/presentationml/2006/main" saveSubsetFonts="1">
   <p:sldMasterIdLst>
-    <p:sldMasterId id="2147483708" r:id="rId1"/>
+    <p:sldMasterId id="2147483720" r:id="rId1"/>
   </p:sldMasterIdLst>
   <p:sldIdLst>
     <p:sldId id="256" r:id="rId2"/>
   </p:sldIdLst>
-  <p:sldSz cx="7772400" cy="6765925"/>
+  <p:sldSz cx="7772400" cy="5851525"/>
   <p:notesSz cx="6858000" cy="9144000"/>
   <p:defaultTextStyle>
     <a:defPPr>
@@ -104,6 +104,11 @@
       </a:defRPr>
     </a:lvl9pPr>
   </p:defaultTextStyle>
+  <p:extLst>
+    <p:ext uri="{EFAFB233-063F-42B5-8137-9DF3F51BA10A}">
+      <p15:sldGuideLst xmlns:p15="http://schemas.microsoft.com/office/powerpoint/2012/main"/>
+    </p:ext>
+  </p:extLst>
 </p:presentation>
 </file>
 
@@ -136,8 +141,8 @@
         </p:nvSpPr>
         <p:spPr>
           <a:xfrm>
-            <a:off x="582930" y="1107294"/>
-            <a:ext cx="6606540" cy="2355544"/>
+            <a:off x="582930" y="957646"/>
+            <a:ext cx="6606540" cy="2037198"/>
           </a:xfrm>
         </p:spPr>
         <p:txBody>
@@ -168,8 +173,8 @@
         </p:nvSpPr>
         <p:spPr>
           <a:xfrm>
-            <a:off x="971550" y="3553677"/>
-            <a:ext cx="5829300" cy="1633532"/>
+            <a:off x="971550" y="3073405"/>
+            <a:ext cx="5829300" cy="1412764"/>
           </a:xfrm>
         </p:spPr>
         <p:txBody>
@@ -238,7 +243,7 @@
           <a:p>
             <a:fld id="{93CD692A-CBA6-4FBD-8A7E-FF5BFD45B280}" type="datetimeFigureOut">
               <a:rPr lang="en-US" smtClean="0"/>
-              <a:t>9/6/2016</a:t>
+              <a:t>9/7/2016</a:t>
             </a:fld>
             <a:endParaRPr lang="en-US"/>
           </a:p>
@@ -289,7 +294,7 @@
     </p:spTree>
     <p:extLst>
       <p:ext uri="{BB962C8B-B14F-4D97-AF65-F5344CB8AC3E}">
-        <p14:creationId xmlns:p14="http://schemas.microsoft.com/office/powerpoint/2010/main" val="4243539249"/>
+        <p14:creationId xmlns:p14="http://schemas.microsoft.com/office/powerpoint/2010/main" val="3973168592"/>
       </p:ext>
     </p:extLst>
   </p:cSld>
@@ -408,7 +413,7 @@
           <a:p>
             <a:fld id="{93CD692A-CBA6-4FBD-8A7E-FF5BFD45B280}" type="datetimeFigureOut">
               <a:rPr lang="en-US" smtClean="0"/>
-              <a:t>9/6/2016</a:t>
+              <a:t>9/7/2016</a:t>
             </a:fld>
             <a:endParaRPr lang="en-US"/>
           </a:p>
@@ -459,7 +464,7 @@
     </p:spTree>
     <p:extLst>
       <p:ext uri="{BB962C8B-B14F-4D97-AF65-F5344CB8AC3E}">
-        <p14:creationId xmlns:p14="http://schemas.microsoft.com/office/powerpoint/2010/main" val="1161674397"/>
+        <p14:creationId xmlns:p14="http://schemas.microsoft.com/office/powerpoint/2010/main" val="645481986"/>
       </p:ext>
     </p:extLst>
   </p:cSld>
@@ -498,8 +503,8 @@
         </p:nvSpPr>
         <p:spPr>
           <a:xfrm>
-            <a:off x="5562124" y="360223"/>
-            <a:ext cx="1675924" cy="5733809"/>
+            <a:off x="5562124" y="311540"/>
+            <a:ext cx="1675924" cy="4958897"/>
           </a:xfrm>
         </p:spPr>
         <p:txBody>
@@ -526,8 +531,8 @@
         </p:nvSpPr>
         <p:spPr>
           <a:xfrm>
-            <a:off x="534353" y="360223"/>
-            <a:ext cx="4930616" cy="5733809"/>
+            <a:off x="534353" y="311540"/>
+            <a:ext cx="4930616" cy="4958897"/>
           </a:xfrm>
         </p:spPr>
         <p:txBody>
@@ -588,7 +593,7 @@
           <a:p>
             <a:fld id="{93CD692A-CBA6-4FBD-8A7E-FF5BFD45B280}" type="datetimeFigureOut">
               <a:rPr lang="en-US" smtClean="0"/>
-              <a:t>9/6/2016</a:t>
+              <a:t>9/7/2016</a:t>
             </a:fld>
             <a:endParaRPr lang="en-US"/>
           </a:p>
@@ -639,7 +644,7 @@
     </p:spTree>
     <p:extLst>
       <p:ext uri="{BB962C8B-B14F-4D97-AF65-F5344CB8AC3E}">
-        <p14:creationId xmlns:p14="http://schemas.microsoft.com/office/powerpoint/2010/main" val="3311356001"/>
+        <p14:creationId xmlns:p14="http://schemas.microsoft.com/office/powerpoint/2010/main" val="513606260"/>
       </p:ext>
     </p:extLst>
   </p:cSld>
@@ -758,7 +763,7 @@
           <a:p>
             <a:fld id="{93CD692A-CBA6-4FBD-8A7E-FF5BFD45B280}" type="datetimeFigureOut">
               <a:rPr lang="en-US" smtClean="0"/>
-              <a:t>9/6/2016</a:t>
+              <a:t>9/7/2016</a:t>
             </a:fld>
             <a:endParaRPr lang="en-US"/>
           </a:p>
@@ -809,7 +814,7 @@
     </p:spTree>
     <p:extLst>
       <p:ext uri="{BB962C8B-B14F-4D97-AF65-F5344CB8AC3E}">
-        <p14:creationId xmlns:p14="http://schemas.microsoft.com/office/powerpoint/2010/main" val="3654842239"/>
+        <p14:creationId xmlns:p14="http://schemas.microsoft.com/office/powerpoint/2010/main" val="3043607699"/>
       </p:ext>
     </p:extLst>
   </p:cSld>
@@ -848,8 +853,8 @@
         </p:nvSpPr>
         <p:spPr>
           <a:xfrm>
-            <a:off x="530305" y="1686785"/>
-            <a:ext cx="6703695" cy="2814436"/>
+            <a:off x="530305" y="1458820"/>
+            <a:ext cx="6703695" cy="2434071"/>
           </a:xfrm>
         </p:spPr>
         <p:txBody>
@@ -880,8 +885,8 @@
         </p:nvSpPr>
         <p:spPr>
           <a:xfrm>
-            <a:off x="530305" y="4527846"/>
-            <a:ext cx="6703695" cy="1480046"/>
+            <a:off x="530305" y="3915918"/>
+            <a:ext cx="6703695" cy="1280021"/>
           </a:xfrm>
         </p:spPr>
         <p:txBody>
@@ -1002,7 +1007,7 @@
           <a:p>
             <a:fld id="{93CD692A-CBA6-4FBD-8A7E-FF5BFD45B280}" type="datetimeFigureOut">
               <a:rPr lang="en-US" smtClean="0"/>
-              <a:t>9/6/2016</a:t>
+              <a:t>9/7/2016</a:t>
             </a:fld>
             <a:endParaRPr lang="en-US"/>
           </a:p>
@@ -1053,7 +1058,7 @@
     </p:spTree>
     <p:extLst>
       <p:ext uri="{BB962C8B-B14F-4D97-AF65-F5344CB8AC3E}">
-        <p14:creationId xmlns:p14="http://schemas.microsoft.com/office/powerpoint/2010/main" val="509795623"/>
+        <p14:creationId xmlns:p14="http://schemas.microsoft.com/office/powerpoint/2010/main" val="3383788535"/>
       </p:ext>
     </p:extLst>
   </p:cSld>
@@ -1115,8 +1120,8 @@
         </p:nvSpPr>
         <p:spPr>
           <a:xfrm>
-            <a:off x="534353" y="1801114"/>
-            <a:ext cx="3303270" cy="4292917"/>
+            <a:off x="534353" y="1557698"/>
+            <a:ext cx="3303270" cy="3712739"/>
           </a:xfrm>
         </p:spPr>
         <p:txBody>
@@ -1172,8 +1177,8 @@
         </p:nvSpPr>
         <p:spPr>
           <a:xfrm>
-            <a:off x="3934778" y="1801114"/>
-            <a:ext cx="3303270" cy="4292917"/>
+            <a:off x="3934778" y="1557698"/>
+            <a:ext cx="3303270" cy="3712739"/>
           </a:xfrm>
         </p:spPr>
         <p:txBody>
@@ -1234,7 +1239,7 @@
           <a:p>
             <a:fld id="{93CD692A-CBA6-4FBD-8A7E-FF5BFD45B280}" type="datetimeFigureOut">
               <a:rPr lang="en-US" smtClean="0"/>
-              <a:t>9/6/2016</a:t>
+              <a:t>9/7/2016</a:t>
             </a:fld>
             <a:endParaRPr lang="en-US"/>
           </a:p>
@@ -1285,7 +1290,7 @@
     </p:spTree>
     <p:extLst>
       <p:ext uri="{BB962C8B-B14F-4D97-AF65-F5344CB8AC3E}">
-        <p14:creationId xmlns:p14="http://schemas.microsoft.com/office/powerpoint/2010/main" val="1619974807"/>
+        <p14:creationId xmlns:p14="http://schemas.microsoft.com/office/powerpoint/2010/main" val="1839799329"/>
       </p:ext>
     </p:extLst>
   </p:cSld>
@@ -1324,8 +1329,8 @@
         </p:nvSpPr>
         <p:spPr>
           <a:xfrm>
-            <a:off x="535365" y="360224"/>
-            <a:ext cx="6703695" cy="1307766"/>
+            <a:off x="535365" y="311541"/>
+            <a:ext cx="6703695" cy="1131024"/>
           </a:xfrm>
         </p:spPr>
         <p:txBody>
@@ -1352,8 +1357,8 @@
         </p:nvSpPr>
         <p:spPr>
           <a:xfrm>
-            <a:off x="535366" y="1658592"/>
-            <a:ext cx="3288089" cy="812850"/>
+            <a:off x="535366" y="1434437"/>
+            <a:ext cx="3288089" cy="702995"/>
           </a:xfrm>
         </p:spPr>
         <p:txBody>
@@ -1417,8 +1422,8 @@
         </p:nvSpPr>
         <p:spPr>
           <a:xfrm>
-            <a:off x="535366" y="2471442"/>
-            <a:ext cx="3288089" cy="3635119"/>
+            <a:off x="535366" y="2137432"/>
+            <a:ext cx="3288089" cy="3143841"/>
           </a:xfrm>
         </p:spPr>
         <p:txBody>
@@ -1474,8 +1479,8 @@
         </p:nvSpPr>
         <p:spPr>
           <a:xfrm>
-            <a:off x="3934778" y="1658592"/>
-            <a:ext cx="3304282" cy="812850"/>
+            <a:off x="3934778" y="1434437"/>
+            <a:ext cx="3304282" cy="702995"/>
           </a:xfrm>
         </p:spPr>
         <p:txBody>
@@ -1539,8 +1544,8 @@
         </p:nvSpPr>
         <p:spPr>
           <a:xfrm>
-            <a:off x="3934778" y="2471442"/>
-            <a:ext cx="3304282" cy="3635119"/>
+            <a:off x="3934778" y="2137432"/>
+            <a:ext cx="3304282" cy="3143841"/>
           </a:xfrm>
         </p:spPr>
         <p:txBody>
@@ -1601,7 +1606,7 @@
           <a:p>
             <a:fld id="{93CD692A-CBA6-4FBD-8A7E-FF5BFD45B280}" type="datetimeFigureOut">
               <a:rPr lang="en-US" smtClean="0"/>
-              <a:t>9/6/2016</a:t>
+              <a:t>9/7/2016</a:t>
             </a:fld>
             <a:endParaRPr lang="en-US"/>
           </a:p>
@@ -1652,7 +1657,7 @@
     </p:spTree>
     <p:extLst>
       <p:ext uri="{BB962C8B-B14F-4D97-AF65-F5344CB8AC3E}">
-        <p14:creationId xmlns:p14="http://schemas.microsoft.com/office/powerpoint/2010/main" val="1310764370"/>
+        <p14:creationId xmlns:p14="http://schemas.microsoft.com/office/powerpoint/2010/main" val="3233482361"/>
       </p:ext>
     </p:extLst>
   </p:cSld>
@@ -1719,7 +1724,7 @@
           <a:p>
             <a:fld id="{93CD692A-CBA6-4FBD-8A7E-FF5BFD45B280}" type="datetimeFigureOut">
               <a:rPr lang="en-US" smtClean="0"/>
-              <a:t>9/6/2016</a:t>
+              <a:t>9/7/2016</a:t>
             </a:fld>
             <a:endParaRPr lang="en-US"/>
           </a:p>
@@ -1770,7 +1775,7 @@
     </p:spTree>
     <p:extLst>
       <p:ext uri="{BB962C8B-B14F-4D97-AF65-F5344CB8AC3E}">
-        <p14:creationId xmlns:p14="http://schemas.microsoft.com/office/powerpoint/2010/main" val="3665149871"/>
+        <p14:creationId xmlns:p14="http://schemas.microsoft.com/office/powerpoint/2010/main" val="1007475118"/>
       </p:ext>
     </p:extLst>
   </p:cSld>
@@ -1814,7 +1819,7 @@
           <a:p>
             <a:fld id="{93CD692A-CBA6-4FBD-8A7E-FF5BFD45B280}" type="datetimeFigureOut">
               <a:rPr lang="en-US" smtClean="0"/>
-              <a:t>9/6/2016</a:t>
+              <a:t>9/7/2016</a:t>
             </a:fld>
             <a:endParaRPr lang="en-US"/>
           </a:p>
@@ -1865,7 +1870,7 @@
     </p:spTree>
     <p:extLst>
       <p:ext uri="{BB962C8B-B14F-4D97-AF65-F5344CB8AC3E}">
-        <p14:creationId xmlns:p14="http://schemas.microsoft.com/office/powerpoint/2010/main" val="3893025026"/>
+        <p14:creationId xmlns:p14="http://schemas.microsoft.com/office/powerpoint/2010/main" val="1002331313"/>
       </p:ext>
     </p:extLst>
   </p:cSld>
@@ -1904,8 +1909,8 @@
         </p:nvSpPr>
         <p:spPr>
           <a:xfrm>
-            <a:off x="535365" y="451062"/>
-            <a:ext cx="2506801" cy="1578716"/>
+            <a:off x="535365" y="390102"/>
+            <a:ext cx="2506801" cy="1365356"/>
           </a:xfrm>
         </p:spPr>
         <p:txBody>
@@ -1936,8 +1941,8 @@
         </p:nvSpPr>
         <p:spPr>
           <a:xfrm>
-            <a:off x="3304282" y="974169"/>
-            <a:ext cx="3934778" cy="4808192"/>
+            <a:off x="3304282" y="842513"/>
+            <a:ext cx="3934778" cy="4158375"/>
           </a:xfrm>
         </p:spPr>
         <p:txBody>
@@ -2021,8 +2026,8 @@
         </p:nvSpPr>
         <p:spPr>
           <a:xfrm>
-            <a:off x="535365" y="2029777"/>
-            <a:ext cx="2506801" cy="3760414"/>
+            <a:off x="535365" y="1755458"/>
+            <a:ext cx="2506801" cy="3252202"/>
           </a:xfrm>
         </p:spPr>
         <p:txBody>
@@ -2091,7 +2096,7 @@
           <a:p>
             <a:fld id="{93CD692A-CBA6-4FBD-8A7E-FF5BFD45B280}" type="datetimeFigureOut">
               <a:rPr lang="en-US" smtClean="0"/>
-              <a:t>9/6/2016</a:t>
+              <a:t>9/7/2016</a:t>
             </a:fld>
             <a:endParaRPr lang="en-US"/>
           </a:p>
@@ -2142,7 +2147,7 @@
     </p:spTree>
     <p:extLst>
       <p:ext uri="{BB962C8B-B14F-4D97-AF65-F5344CB8AC3E}">
-        <p14:creationId xmlns:p14="http://schemas.microsoft.com/office/powerpoint/2010/main" val="2018812916"/>
+        <p14:creationId xmlns:p14="http://schemas.microsoft.com/office/powerpoint/2010/main" val="3656080583"/>
       </p:ext>
     </p:extLst>
   </p:cSld>
@@ -2181,8 +2186,8 @@
         </p:nvSpPr>
         <p:spPr>
           <a:xfrm>
-            <a:off x="535365" y="451062"/>
-            <a:ext cx="2506801" cy="1578716"/>
+            <a:off x="535365" y="390102"/>
+            <a:ext cx="2506801" cy="1365356"/>
           </a:xfrm>
         </p:spPr>
         <p:txBody>
@@ -2213,8 +2218,8 @@
         </p:nvSpPr>
         <p:spPr>
           <a:xfrm>
-            <a:off x="3304282" y="974169"/>
-            <a:ext cx="3934778" cy="4808192"/>
+            <a:off x="3304282" y="842513"/>
+            <a:ext cx="3934778" cy="4158375"/>
           </a:xfrm>
         </p:spPr>
         <p:txBody>
@@ -2278,8 +2283,8 @@
         </p:nvSpPr>
         <p:spPr>
           <a:xfrm>
-            <a:off x="535365" y="2029777"/>
-            <a:ext cx="2506801" cy="3760414"/>
+            <a:off x="535365" y="1755458"/>
+            <a:ext cx="2506801" cy="3252202"/>
           </a:xfrm>
         </p:spPr>
         <p:txBody>
@@ -2348,7 +2353,7 @@
           <a:p>
             <a:fld id="{93CD692A-CBA6-4FBD-8A7E-FF5BFD45B280}" type="datetimeFigureOut">
               <a:rPr lang="en-US" smtClean="0"/>
-              <a:t>9/6/2016</a:t>
+              <a:t>9/7/2016</a:t>
             </a:fld>
             <a:endParaRPr lang="en-US"/>
           </a:p>
@@ -2399,7 +2404,7 @@
     </p:spTree>
     <p:extLst>
       <p:ext uri="{BB962C8B-B14F-4D97-AF65-F5344CB8AC3E}">
-        <p14:creationId xmlns:p14="http://schemas.microsoft.com/office/powerpoint/2010/main" val="3408597611"/>
+        <p14:creationId xmlns:p14="http://schemas.microsoft.com/office/powerpoint/2010/main" val="2175955051"/>
       </p:ext>
     </p:extLst>
   </p:cSld>
@@ -2443,8 +2448,8 @@
         </p:nvSpPr>
         <p:spPr>
           <a:xfrm>
-            <a:off x="534353" y="360224"/>
-            <a:ext cx="6703695" cy="1307766"/>
+            <a:off x="534353" y="311541"/>
+            <a:ext cx="6703695" cy="1131024"/>
           </a:xfrm>
           <a:prstGeom prst="rect">
             <a:avLst/>
@@ -2476,8 +2481,8 @@
         </p:nvSpPr>
         <p:spPr>
           <a:xfrm>
-            <a:off x="534353" y="1801114"/>
-            <a:ext cx="6703695" cy="4292917"/>
+            <a:off x="534353" y="1557698"/>
+            <a:ext cx="6703695" cy="3712739"/>
           </a:xfrm>
           <a:prstGeom prst="rect">
             <a:avLst/>
@@ -2538,8 +2543,8 @@
         </p:nvSpPr>
         <p:spPr>
           <a:xfrm>
-            <a:off x="534353" y="6271012"/>
-            <a:ext cx="1748790" cy="360223"/>
+            <a:off x="534353" y="5423498"/>
+            <a:ext cx="1748790" cy="311540"/>
           </a:xfrm>
           <a:prstGeom prst="rect">
             <a:avLst/>
@@ -2561,7 +2566,7 @@
           <a:p>
             <a:fld id="{93CD692A-CBA6-4FBD-8A7E-FF5BFD45B280}" type="datetimeFigureOut">
               <a:rPr lang="en-US" smtClean="0"/>
-              <a:t>9/6/2016</a:t>
+              <a:t>9/7/2016</a:t>
             </a:fld>
             <a:endParaRPr lang="en-US"/>
           </a:p>
@@ -2579,8 +2584,8 @@
         </p:nvSpPr>
         <p:spPr>
           <a:xfrm>
-            <a:off x="2574608" y="6271012"/>
-            <a:ext cx="2623185" cy="360223"/>
+            <a:off x="2574608" y="5423498"/>
+            <a:ext cx="2623185" cy="311540"/>
           </a:xfrm>
           <a:prstGeom prst="rect">
             <a:avLst/>
@@ -2616,8 +2621,8 @@
         </p:nvSpPr>
         <p:spPr>
           <a:xfrm>
-            <a:off x="5489258" y="6271012"/>
-            <a:ext cx="1748790" cy="360223"/>
+            <a:off x="5489258" y="5423498"/>
+            <a:ext cx="1748790" cy="311540"/>
           </a:xfrm>
           <a:prstGeom prst="rect">
             <a:avLst/>
@@ -2648,23 +2653,23 @@
     </p:spTree>
     <p:extLst>
       <p:ext uri="{BB962C8B-B14F-4D97-AF65-F5344CB8AC3E}">
-        <p14:creationId xmlns:p14="http://schemas.microsoft.com/office/powerpoint/2010/main" val="1952210236"/>
+        <p14:creationId xmlns:p14="http://schemas.microsoft.com/office/powerpoint/2010/main" val="465380656"/>
       </p:ext>
     </p:extLst>
   </p:cSld>
   <p:clrMap bg1="lt1" tx1="dk1" bg2="lt2" tx2="dk2" accent1="accent1" accent2="accent2" accent3="accent3" accent4="accent4" accent5="accent5" accent6="accent6" hlink="hlink" folHlink="folHlink"/>
   <p:sldLayoutIdLst>
-    <p:sldLayoutId id="2147483709" r:id="rId1"/>
-    <p:sldLayoutId id="2147483710" r:id="rId2"/>
-    <p:sldLayoutId id="2147483711" r:id="rId3"/>
-    <p:sldLayoutId id="2147483712" r:id="rId4"/>
-    <p:sldLayoutId id="2147483713" r:id="rId5"/>
-    <p:sldLayoutId id="2147483714" r:id="rId6"/>
-    <p:sldLayoutId id="2147483715" r:id="rId7"/>
-    <p:sldLayoutId id="2147483716" r:id="rId8"/>
-    <p:sldLayoutId id="2147483717" r:id="rId9"/>
-    <p:sldLayoutId id="2147483718" r:id="rId10"/>
-    <p:sldLayoutId id="2147483719" r:id="rId11"/>
+    <p:sldLayoutId id="2147483721" r:id="rId1"/>
+    <p:sldLayoutId id="2147483722" r:id="rId2"/>
+    <p:sldLayoutId id="2147483723" r:id="rId3"/>
+    <p:sldLayoutId id="2147483724" r:id="rId4"/>
+    <p:sldLayoutId id="2147483725" r:id="rId5"/>
+    <p:sldLayoutId id="2147483726" r:id="rId6"/>
+    <p:sldLayoutId id="2147483727" r:id="rId7"/>
+    <p:sldLayoutId id="2147483728" r:id="rId8"/>
+    <p:sldLayoutId id="2147483729" r:id="rId9"/>
+    <p:sldLayoutId id="2147483730" r:id="rId10"/>
+    <p:sldLayoutId id="2147483731" r:id="rId11"/>
   </p:sldLayoutIdLst>
   <p:txStyles>
     <p:titleStyle>
@@ -2968,210 +2973,342 @@
       </p:grpSpPr>
       <p:grpSp>
         <p:nvGrpSpPr>
-          <p:cNvPr id="26" name="Group 25"/>
-          <p:cNvGrpSpPr>
-            <a:grpSpLocks noChangeAspect="1"/>
-          </p:cNvGrpSpPr>
+          <p:cNvPr id="18" name="Group 17"/>
+          <p:cNvGrpSpPr/>
           <p:nvPr/>
         </p:nvGrpSpPr>
         <p:grpSpPr>
           <a:xfrm>
-            <a:off x="-91042" y="44638"/>
-            <a:ext cx="7768837" cy="6777104"/>
-            <a:chOff x="4385197" y="914391"/>
-            <a:chExt cx="6241740" cy="5444949"/>
+            <a:off x="-81456" y="-98472"/>
+            <a:ext cx="7853856" cy="6030434"/>
+            <a:chOff x="-81456" y="0"/>
+            <a:chExt cx="7853856" cy="6030434"/>
           </a:xfrm>
         </p:grpSpPr>
         <p:grpSp>
           <p:nvGrpSpPr>
-            <p:cNvPr id="27" name="Group 26"/>
+            <p:cNvPr id="19" name="Group 18"/>
             <p:cNvGrpSpPr/>
             <p:nvPr/>
           </p:nvGrpSpPr>
           <p:grpSpPr>
             <a:xfrm>
-              <a:off x="4831975" y="941289"/>
-              <a:ext cx="2773853" cy="5047134"/>
-              <a:chOff x="4831975" y="941289"/>
-              <a:chExt cx="2773853" cy="5047134"/>
+              <a:off x="-81456" y="392272"/>
+              <a:ext cx="7853856" cy="5638162"/>
+              <a:chOff x="-91042" y="66957"/>
+              <a:chExt cx="7853856" cy="5638162"/>
             </a:xfrm>
           </p:grpSpPr>
-          <p:pic>
-            <p:nvPicPr>
-              <p:cNvPr id="35" name="Picture 34"/>
-              <p:cNvPicPr>
-                <a:picLocks/>
-              </p:cNvPicPr>
+          <p:grpSp>
+            <p:nvGrpSpPr>
+              <p:cNvPr id="22" name="Group 21"/>
+              <p:cNvGrpSpPr>
+                <a:grpSpLocks noChangeAspect="1"/>
+              </p:cNvGrpSpPr>
               <p:nvPr/>
-            </p:nvPicPr>
-            <p:blipFill rotWithShape="1">
-              <a:blip r:embed="rId2"/>
-              <a:srcRect l="3350" t="6739" r="4656" b="17217"/>
-              <a:stretch/>
-            </p:blipFill>
-            <p:spPr>
-              <a:xfrm rot="16200000">
-                <a:off x="3695336" y="2077931"/>
-                <a:ext cx="5047132" cy="2773852"/>
+            </p:nvGrpSpPr>
+            <p:grpSpPr>
+              <a:xfrm>
+                <a:off x="-91042" y="66957"/>
+                <a:ext cx="7768837" cy="5638162"/>
+                <a:chOff x="4385197" y="932323"/>
+                <a:chExt cx="6241740" cy="4529885"/>
               </a:xfrm>
-              <a:prstGeom prst="rect">
-                <a:avLst/>
-              </a:prstGeom>
-            </p:spPr>
-          </p:pic>
-          <p:sp>
-            <p:nvSpPr>
-              <p:cNvPr id="36" name="Rectangle 35"/>
-              <p:cNvSpPr/>
-              <p:nvPr/>
-            </p:nvSpPr>
-            <p:spPr>
-              <a:xfrm>
-                <a:off x="4831975" y="941289"/>
-                <a:ext cx="2773853" cy="5047134"/>
-              </a:xfrm>
-              <a:prstGeom prst="rect">
-                <a:avLst/>
-              </a:prstGeom>
-              <a:noFill/>
-              <a:ln w="28575">
-                <a:solidFill>
-                  <a:schemeClr val="tx1"/>
-                </a:solidFill>
-              </a:ln>
-            </p:spPr>
-            <p:style>
-              <a:lnRef idx="2">
-                <a:schemeClr val="accent1">
-                  <a:shade val="50000"/>
-                </a:schemeClr>
-              </a:lnRef>
-              <a:fillRef idx="1">
-                <a:schemeClr val="accent1"/>
-              </a:fillRef>
-              <a:effectRef idx="0">
-                <a:schemeClr val="accent1"/>
-              </a:effectRef>
-              <a:fontRef idx="minor">
-                <a:schemeClr val="lt1"/>
-              </a:fontRef>
-            </p:style>
-            <p:txBody>
-              <a:bodyPr rot="0" spcFirstLastPara="0" vertOverflow="overflow" horzOverflow="overflow" vert="horz" wrap="square" lIns="91440" tIns="45720" rIns="91440" bIns="45720" numCol="1" spcCol="0" rtlCol="0" fromWordArt="0" anchor="ctr" anchorCtr="0" forceAA="0" compatLnSpc="1">
-                <a:prstTxWarp prst="textNoShape">
-                  <a:avLst/>
-                </a:prstTxWarp>
-                <a:noAutofit/>
-              </a:bodyPr>
-              <a:lstStyle/>
-              <a:p>
-                <a:pPr algn="ctr"/>
-                <a:endParaRPr lang="en-US"/>
-              </a:p>
-            </p:txBody>
-          </p:sp>
-        </p:grpSp>
-        <p:grpSp>
-          <p:nvGrpSpPr>
-            <p:cNvPr id="28" name="Group 27"/>
-            <p:cNvGrpSpPr/>
-            <p:nvPr/>
-          </p:nvGrpSpPr>
-          <p:grpSpPr>
-            <a:xfrm>
-              <a:off x="7853084" y="932323"/>
-              <a:ext cx="2773853" cy="5047134"/>
-              <a:chOff x="7853084" y="932323"/>
-              <a:chExt cx="2773853" cy="5047134"/>
-            </a:xfrm>
-          </p:grpSpPr>
-          <p:pic>
-            <p:nvPicPr>
-              <p:cNvPr id="33" name="Picture 32"/>
-              <p:cNvPicPr>
-                <a:picLocks/>
-              </p:cNvPicPr>
-              <p:nvPr/>
-            </p:nvPicPr>
-            <p:blipFill rotWithShape="1">
-              <a:blip r:embed="rId3"/>
-              <a:srcRect l="3513" t="6738" r="4657" b="17686"/>
-              <a:stretch/>
-            </p:blipFill>
-            <p:spPr>
-              <a:xfrm rot="16200000">
-                <a:off x="6720201" y="2074173"/>
-                <a:ext cx="5038167" cy="2772400"/>
-              </a:xfrm>
-              <a:prstGeom prst="rect">
-                <a:avLst/>
-              </a:prstGeom>
-            </p:spPr>
-          </p:pic>
-          <p:sp>
-            <p:nvSpPr>
-              <p:cNvPr id="34" name="Rectangle 33"/>
-              <p:cNvSpPr/>
-              <p:nvPr/>
-            </p:nvSpPr>
-            <p:spPr>
-              <a:xfrm>
-                <a:off x="7853084" y="932323"/>
-                <a:ext cx="2773853" cy="5047134"/>
-              </a:xfrm>
-              <a:prstGeom prst="rect">
-                <a:avLst/>
-              </a:prstGeom>
-              <a:noFill/>
-              <a:ln w="28575">
-                <a:solidFill>
-                  <a:schemeClr val="tx1"/>
-                </a:solidFill>
-              </a:ln>
-            </p:spPr>
-            <p:style>
-              <a:lnRef idx="2">
-                <a:schemeClr val="accent1">
-                  <a:shade val="50000"/>
-                </a:schemeClr>
-              </a:lnRef>
-              <a:fillRef idx="1">
-                <a:schemeClr val="accent1"/>
-              </a:fillRef>
-              <a:effectRef idx="0">
-                <a:schemeClr val="accent1"/>
-              </a:effectRef>
-              <a:fontRef idx="minor">
-                <a:schemeClr val="lt1"/>
-              </a:fontRef>
-            </p:style>
-            <p:txBody>
-              <a:bodyPr rot="0" spcFirstLastPara="0" vertOverflow="overflow" horzOverflow="overflow" vert="horz" wrap="square" lIns="91440" tIns="45720" rIns="91440" bIns="45720" numCol="1" spcCol="0" rtlCol="0" fromWordArt="0" anchor="ctr" anchorCtr="0" forceAA="0" compatLnSpc="1">
-                <a:prstTxWarp prst="textNoShape">
-                  <a:avLst/>
-                </a:prstTxWarp>
-                <a:noAutofit/>
-              </a:bodyPr>
-              <a:lstStyle/>
-              <a:p>
-                <a:pPr algn="ctr"/>
-                <a:endParaRPr lang="en-US"/>
-              </a:p>
-            </p:txBody>
-          </p:sp>
-        </p:grpSp>
-        <mc:AlternateContent xmlns:mc="http://schemas.openxmlformats.org/markup-compatibility/2006">
-          <mc:Choice xmlns:a14="http://schemas.microsoft.com/office/drawing/2010/main" Requires="a14">
+            </p:grpSpPr>
+            <p:grpSp>
+              <p:nvGrpSpPr>
+                <p:cNvPr id="24" name="Group 23"/>
+                <p:cNvGrpSpPr/>
+                <p:nvPr/>
+              </p:nvGrpSpPr>
+              <p:grpSpPr>
+                <a:xfrm>
+                  <a:off x="4831975" y="941289"/>
+                  <a:ext cx="2773853" cy="3907222"/>
+                  <a:chOff x="4831975" y="941289"/>
+                  <a:chExt cx="2773853" cy="3907222"/>
+                </a:xfrm>
+              </p:grpSpPr>
+              <p:pic>
+                <p:nvPicPr>
+                  <p:cNvPr id="41" name="Picture 40"/>
+                  <p:cNvPicPr>
+                    <a:picLocks/>
+                  </p:cNvPicPr>
+                  <p:nvPr/>
+                </p:nvPicPr>
+                <p:blipFill rotWithShape="1">
+                  <a:blip r:embed="rId2"/>
+                  <a:srcRect l="24256" t="6739" r="4657" b="17217"/>
+                  <a:stretch/>
+                </p:blipFill>
+                <p:spPr>
+                  <a:xfrm rot="16200000">
+                    <a:off x="4268823" y="1504443"/>
+                    <a:ext cx="3900158" cy="2773852"/>
+                  </a:xfrm>
+                  <a:prstGeom prst="rect">
+                    <a:avLst/>
+                  </a:prstGeom>
+                </p:spPr>
+              </p:pic>
+              <p:sp>
+                <p:nvSpPr>
+                  <p:cNvPr id="42" name="Rectangle 41"/>
+                  <p:cNvSpPr/>
+                  <p:nvPr/>
+                </p:nvSpPr>
+                <p:spPr>
+                  <a:xfrm>
+                    <a:off x="4831975" y="941289"/>
+                    <a:ext cx="2773853" cy="3907222"/>
+                  </a:xfrm>
+                  <a:prstGeom prst="rect">
+                    <a:avLst/>
+                  </a:prstGeom>
+                  <a:noFill/>
+                  <a:ln w="28575">
+                    <a:solidFill>
+                      <a:schemeClr val="tx1"/>
+                    </a:solidFill>
+                  </a:ln>
+                </p:spPr>
+                <p:style>
+                  <a:lnRef idx="2">
+                    <a:schemeClr val="accent1">
+                      <a:shade val="50000"/>
+                    </a:schemeClr>
+                  </a:lnRef>
+                  <a:fillRef idx="1">
+                    <a:schemeClr val="accent1"/>
+                  </a:fillRef>
+                  <a:effectRef idx="0">
+                    <a:schemeClr val="accent1"/>
+                  </a:effectRef>
+                  <a:fontRef idx="minor">
+                    <a:schemeClr val="lt1"/>
+                  </a:fontRef>
+                </p:style>
+                <p:txBody>
+                  <a:bodyPr rot="0" spcFirstLastPara="0" vertOverflow="overflow" horzOverflow="overflow" vert="horz" wrap="square" lIns="91440" tIns="45720" rIns="91440" bIns="45720" numCol="1" spcCol="0" rtlCol="0" fromWordArt="0" anchor="ctr" anchorCtr="0" forceAA="0" compatLnSpc="1">
+                    <a:prstTxWarp prst="textNoShape">
+                      <a:avLst/>
+                    </a:prstTxWarp>
+                    <a:noAutofit/>
+                  </a:bodyPr>
+                  <a:lstStyle/>
+                  <a:p>
+                    <a:pPr algn="ctr"/>
+                    <a:endParaRPr lang="en-US"/>
+                  </a:p>
+                </p:txBody>
+              </p:sp>
+            </p:grpSp>
+            <p:grpSp>
+              <p:nvGrpSpPr>
+                <p:cNvPr id="25" name="Group 24"/>
+                <p:cNvGrpSpPr/>
+                <p:nvPr/>
+              </p:nvGrpSpPr>
+              <p:grpSpPr>
+                <a:xfrm>
+                  <a:off x="7853084" y="932323"/>
+                  <a:ext cx="2773853" cy="3916189"/>
+                  <a:chOff x="7853084" y="932323"/>
+                  <a:chExt cx="2773853" cy="3916189"/>
+                </a:xfrm>
+              </p:grpSpPr>
+              <p:pic>
+                <p:nvPicPr>
+                  <p:cNvPr id="39" name="Picture 38"/>
+                  <p:cNvPicPr>
+                    <a:picLocks/>
+                  </p:cNvPicPr>
+                  <p:nvPr/>
+                </p:nvPicPr>
+                <p:blipFill rotWithShape="1">
+                  <a:blip r:embed="rId3"/>
+                  <a:srcRect l="24126" t="6738" r="4657" b="17686"/>
+                  <a:stretch/>
+                </p:blipFill>
+                <p:spPr>
+                  <a:xfrm rot="16200000">
+                    <a:off x="7285673" y="1508700"/>
+                    <a:ext cx="3907222" cy="2772400"/>
+                  </a:xfrm>
+                  <a:prstGeom prst="rect">
+                    <a:avLst/>
+                  </a:prstGeom>
+                </p:spPr>
+              </p:pic>
+              <p:sp>
+                <p:nvSpPr>
+                  <p:cNvPr id="40" name="Rectangle 39"/>
+                  <p:cNvSpPr/>
+                  <p:nvPr/>
+                </p:nvSpPr>
+                <p:spPr>
+                  <a:xfrm>
+                    <a:off x="7853084" y="932323"/>
+                    <a:ext cx="2773853" cy="3916189"/>
+                  </a:xfrm>
+                  <a:prstGeom prst="rect">
+                    <a:avLst/>
+                  </a:prstGeom>
+                  <a:noFill/>
+                  <a:ln w="28575">
+                    <a:solidFill>
+                      <a:schemeClr val="tx1"/>
+                    </a:solidFill>
+                  </a:ln>
+                </p:spPr>
+                <p:style>
+                  <a:lnRef idx="2">
+                    <a:schemeClr val="accent1">
+                      <a:shade val="50000"/>
+                    </a:schemeClr>
+                  </a:lnRef>
+                  <a:fillRef idx="1">
+                    <a:schemeClr val="accent1"/>
+                  </a:fillRef>
+                  <a:effectRef idx="0">
+                    <a:schemeClr val="accent1"/>
+                  </a:effectRef>
+                  <a:fontRef idx="minor">
+                    <a:schemeClr val="lt1"/>
+                  </a:fontRef>
+                </p:style>
+                <p:txBody>
+                  <a:bodyPr rot="0" spcFirstLastPara="0" vertOverflow="overflow" horzOverflow="overflow" vert="horz" wrap="square" lIns="91440" tIns="45720" rIns="91440" bIns="45720" numCol="1" spcCol="0" rtlCol="0" fromWordArt="0" anchor="ctr" anchorCtr="0" forceAA="0" compatLnSpc="1">
+                    <a:prstTxWarp prst="textNoShape">
+                      <a:avLst/>
+                    </a:prstTxWarp>
+                    <a:noAutofit/>
+                  </a:bodyPr>
+                  <a:lstStyle/>
+                  <a:p>
+                    <a:pPr algn="ctr"/>
+                    <a:endParaRPr lang="en-US"/>
+                  </a:p>
+                </p:txBody>
+              </p:sp>
+            </p:grpSp>
+            <mc:AlternateContent xmlns:mc="http://schemas.openxmlformats.org/markup-compatibility/2006" xmlns:a14="http://schemas.microsoft.com/office/drawing/2010/main">
+              <mc:Choice Requires="a14">
+                <p:sp>
+                  <p:nvSpPr>
+                    <p:cNvPr id="37" name="TextBox 36"/>
+                    <p:cNvSpPr txBox="1"/>
+                    <p:nvPr/>
+                  </p:nvSpPr>
+                  <p:spPr>
+                    <a:xfrm rot="16200000">
+                      <a:off x="3872025" y="3256369"/>
+                      <a:ext cx="1425388" cy="399044"/>
+                    </a:xfrm>
+                    <a:prstGeom prst="rect">
+                      <a:avLst/>
+                    </a:prstGeom>
+                    <a:noFill/>
+                  </p:spPr>
+                  <p:txBody>
+                    <a:bodyPr wrap="square" rtlCol="0">
+                      <a:spAutoFit/>
+                    </a:bodyPr>
+                    <a:lstStyle/>
+                    <a:p>
+                      <a14:m>
+                        <m:oMath xmlns:m="http://schemas.openxmlformats.org/officeDocument/2006/math">
+                          <m:sSub>
+                            <m:sSubPr>
+                              <m:ctrlPr>
+                                <a:rPr lang="en-US" sz="2400" i="1">
+                                  <a:latin typeface="Cambria Math" panose="02040503050406030204" pitchFamily="18" charset="0"/>
+                                </a:rPr>
+                              </m:ctrlPr>
+                            </m:sSubPr>
+                            <m:e>
+                              <m:r>
+                                <a:rPr lang="en-US" sz="2400" i="1">
+                                  <a:latin typeface="Cambria Math" panose="02040503050406030204" pitchFamily="18" charset="0"/>
+                                </a:rPr>
+                                <m:t>𝑉</m:t>
+                              </m:r>
+                            </m:e>
+                            <m:sub>
+                              <m:r>
+                                <a:rPr lang="en-US" sz="2400" i="1">
+                                  <a:latin typeface="Cambria Math" panose="02040503050406030204" pitchFamily="18" charset="0"/>
+                                </a:rPr>
+                                <m:t>𝑔𝑒𝑜h𝑜𝑛𝑒</m:t>
+                              </m:r>
+                            </m:sub>
+                          </m:sSub>
+                          <m:r>
+                            <a:rPr lang="en-US" sz="2400" i="1">
+                              <a:latin typeface="Cambria Math" panose="02040503050406030204" pitchFamily="18" charset="0"/>
+                            </a:rPr>
+                            <m:t> </m:t>
+                          </m:r>
+                        </m:oMath>
+                      </a14:m>
+                      <a:r>
+                        <a:rPr lang="en-US" sz="2400" dirty="0"/>
+                        <a:t>(V)</a:t>
+                      </a:r>
+                    </a:p>
+                  </p:txBody>
+                </p:sp>
+              </mc:Choice>
+              <mc:Fallback xmlns="">
+                <p:sp>
+                  <p:nvSpPr>
+                    <p:cNvPr id="29" name="TextBox 28"/>
+                    <p:cNvSpPr txBox="1">
+                      <a:spLocks noRot="1" noChangeAspect="1" noMove="1" noResize="1" noEditPoints="1" noAdjustHandles="1" noChangeArrowheads="1" noChangeShapeType="1" noTextEdit="1"/>
+                    </p:cNvSpPr>
+                    <p:nvPr/>
+                  </p:nvSpPr>
+                  <p:spPr>
+                    <a:xfrm rot="16200000">
+                      <a:off x="3872025" y="3256369"/>
+                      <a:ext cx="1425388" cy="399044"/>
+                    </a:xfrm>
+                    <a:prstGeom prst="rect">
+                      <a:avLst/>
+                    </a:prstGeom>
+                    <a:blipFill rotWithShape="0">
+                      <a:blip r:embed="rId4"/>
+                      <a:stretch>
+                        <a:fillRect l="-8537" r="-20732" b="-687"/>
+                      </a:stretch>
+                    </a:blipFill>
+                  </p:spPr>
+                  <p:txBody>
+                    <a:bodyPr/>
+                    <a:lstStyle/>
+                    <a:p>
+                      <a:r>
+                        <a:rPr lang="en-US">
+                          <a:noFill/>
+                        </a:rPr>
+                        <a:t> </a:t>
+                      </a:r>
+                    </a:p>
+                  </p:txBody>
+                </p:sp>
+              </mc:Fallback>
+            </mc:AlternateContent>
             <p:sp>
               <p:nvSpPr>
-                <p:cNvPr id="29" name="TextBox 28"/>
+                <p:cNvPr id="38" name="TextBox 37"/>
                 <p:cNvSpPr txBox="1"/>
                 <p:nvPr/>
               </p:nvSpPr>
               <p:spPr>
-                <a:xfrm rot="16200000">
-                  <a:off x="3872025" y="3256369"/>
-                  <a:ext cx="1425388" cy="399044"/>
+                <a:xfrm>
+                  <a:off x="7176269" y="5091291"/>
+                  <a:ext cx="1240603" cy="370917"/>
                 </a:xfrm>
                 <a:prstGeom prst="rect">
                   <a:avLst/>
@@ -3184,90 +3321,63 @@
                 </a:bodyPr>
                 <a:lstStyle/>
                 <a:p>
-                  <a14:m>
-                    <m:oMath xmlns:m="http://schemas.openxmlformats.org/officeDocument/2006/math">
-                      <m:sSub>
-                        <m:sSubPr>
-                          <m:ctrlPr>
-                            <a:rPr lang="en-US" sz="2400" i="1"/>
-                          </m:ctrlPr>
-                        </m:sSubPr>
-                        <m:e>
-                          <m:r>
-                            <a:rPr lang="en-US" sz="2400" i="1"/>
-                            <m:t>𝑉</m:t>
-                          </m:r>
-                        </m:e>
-                        <m:sub>
-                          <m:r>
-                            <a:rPr lang="en-US" sz="2400" i="1"/>
-                            <m:t>𝑔𝑒𝑜h𝑜𝑛𝑒</m:t>
-                          </m:r>
-                        </m:sub>
-                      </m:sSub>
-                      <m:r>
-                        <a:rPr lang="en-US" sz="2400" i="1"/>
-                        <m:t> </m:t>
-                      </m:r>
-                    </m:oMath>
-                  </a14:m>
                   <a:r>
                     <a:rPr lang="en-US" sz="2400" dirty="0"/>
-                    <a:t>(V)</a:t>
+                    <a:t>Time (</a:t>
+                  </a:r>
+                  <a:r>
+                    <a:rPr lang="en-US" sz="2400" dirty="0" err="1"/>
+                    <a:t>ms</a:t>
+                  </a:r>
+                  <a:r>
+                    <a:rPr lang="en-US" sz="2400" dirty="0"/>
+                    <a:t>)</a:t>
                   </a:r>
                 </a:p>
               </p:txBody>
             </p:sp>
-          </mc:Choice>
-          <mc:Fallback>
-            <p:sp>
-              <p:nvSpPr>
-                <p:cNvPr id="29" name="TextBox 28"/>
-                <p:cNvSpPr txBox="1">
-                  <a:spLocks noRot="1" noChangeAspect="1" noMove="1" noResize="1" noEditPoints="1" noAdjustHandles="1" noChangeArrowheads="1" noChangeShapeType="1" noTextEdit="1"/>
-                </p:cNvSpPr>
-                <p:nvPr/>
-              </p:nvSpPr>
-              <p:spPr>
-                <a:xfrm rot="16200000">
-                  <a:off x="3872025" y="3256369"/>
-                  <a:ext cx="1425388" cy="399044"/>
-                </a:xfrm>
-                <a:prstGeom prst="rect">
-                  <a:avLst/>
-                </a:prstGeom>
-                <a:blipFill rotWithShape="0">
-                  <a:blip r:embed="rId4"/>
-                  <a:stretch>
-                    <a:fillRect l="-8537" r="-20732" b="-687"/>
-                  </a:stretch>
-                </a:blipFill>
-              </p:spPr>
-              <p:txBody>
-                <a:bodyPr/>
-                <a:lstStyle/>
-                <a:p>
-                  <a:r>
-                    <a:rPr lang="en-US">
-                      <a:noFill/>
-                    </a:rPr>
-                    <a:t> </a:t>
-                  </a:r>
-                </a:p>
-              </p:txBody>
-            </p:sp>
-          </mc:Fallback>
-        </mc:AlternateContent>
+          </p:grpSp>
+          <p:sp>
+            <p:nvSpPr>
+              <p:cNvPr id="23" name="TextBox 22"/>
+              <p:cNvSpPr txBox="1"/>
+              <p:nvPr/>
+            </p:nvSpPr>
+            <p:spPr>
+              <a:xfrm>
+                <a:off x="211235" y="4932487"/>
+                <a:ext cx="7551579" cy="461665"/>
+              </a:xfrm>
+              <a:prstGeom prst="rect">
+                <a:avLst/>
+              </a:prstGeom>
+              <a:noFill/>
+            </p:spPr>
+            <p:txBody>
+              <a:bodyPr wrap="square" rtlCol="0">
+                <a:spAutoFit/>
+              </a:bodyPr>
+              <a:lstStyle/>
+              <a:p>
+                <a:r>
+                  <a:rPr lang="en-US" sz="2400" dirty="0" smtClean="0"/>
+                  <a:t>100   200   300   400   500   600 100  200  300  400  500  600</a:t>
+                </a:r>
+                <a:endParaRPr lang="en-US" sz="2400" dirty="0"/>
+              </a:p>
+            </p:txBody>
+          </p:sp>
+        </p:grpSp>
         <p:sp>
           <p:nvSpPr>
-            <p:cNvPr id="30" name="TextBox 29"/>
+            <p:cNvPr id="20" name="TextBox 19"/>
             <p:cNvSpPr txBox="1"/>
             <p:nvPr/>
           </p:nvSpPr>
           <p:spPr>
             <a:xfrm>
-              <a:off x="7232781" y="5988423"/>
-              <a:ext cx="1240603" cy="370917"/>
+              <a:off x="1202953" y="0"/>
+              <a:ext cx="1995854" cy="378069"/>
             </a:xfrm>
             <a:prstGeom prst="rect">
               <a:avLst/>
@@ -3281,30 +3391,23 @@
             <a:lstStyle/>
             <a:p>
               <a:r>
-                <a:rPr lang="en-US" sz="2400" dirty="0"/>
-                <a:t>Time (</a:t>
+                <a:rPr lang="en-US" dirty="0" smtClean="0"/>
+                <a:t>Traditional System</a:t>
               </a:r>
-              <a:r>
-                <a:rPr lang="en-US" sz="2400" dirty="0" err="1"/>
-                <a:t>ms</a:t>
-              </a:r>
-              <a:r>
-                <a:rPr lang="en-US" sz="2400" dirty="0"/>
-                <a:t>)</a:t>
-              </a:r>
+              <a:endParaRPr lang="en-US" dirty="0"/>
             </a:p>
           </p:txBody>
         </p:sp>
         <p:sp>
           <p:nvSpPr>
-            <p:cNvPr id="31" name="TextBox 30"/>
+            <p:cNvPr id="21" name="TextBox 20"/>
             <p:cNvSpPr txBox="1"/>
             <p:nvPr/>
           </p:nvSpPr>
           <p:spPr>
             <a:xfrm>
-              <a:off x="4849905" y="941289"/>
-              <a:ext cx="394449" cy="370917"/>
+              <a:off x="4761794" y="8737"/>
+              <a:ext cx="2396863" cy="369332"/>
             </a:xfrm>
             <a:prstGeom prst="rect">
               <a:avLst/>
@@ -3318,38 +3421,10 @@
             <a:lstStyle/>
             <a:p>
               <a:r>
-                <a:rPr lang="en-US" sz="2400" dirty="0"/>
-                <a:t>a.</a:t>
+                <a:rPr lang="en-US" dirty="0" smtClean="0"/>
+                <a:t>Seismic Spider System</a:t>
               </a:r>
-            </a:p>
-          </p:txBody>
-        </p:sp>
-        <p:sp>
-          <p:nvSpPr>
-            <p:cNvPr id="32" name="TextBox 31"/>
-            <p:cNvSpPr txBox="1"/>
-            <p:nvPr/>
-          </p:nvSpPr>
-          <p:spPr>
-            <a:xfrm>
-              <a:off x="7860597" y="914391"/>
-              <a:ext cx="394449" cy="370917"/>
-            </a:xfrm>
-            <a:prstGeom prst="rect">
-              <a:avLst/>
-            </a:prstGeom>
-            <a:noFill/>
-          </p:spPr>
-          <p:txBody>
-            <a:bodyPr wrap="square" rtlCol="0">
-              <a:spAutoFit/>
-            </a:bodyPr>
-            <a:lstStyle/>
-            <a:p>
-              <a:r>
-                <a:rPr lang="en-US" sz="2400" dirty="0"/>
-                <a:t>b.</a:t>
-              </a:r>
+              <a:endParaRPr lang="en-US" dirty="0"/>
             </a:p>
           </p:txBody>
         </p:sp>

--- a/RA-L Hetro Sensors/pictures/shotgather_hex.pptx
+++ b/RA-L Hetro Sensors/pictures/shotgather_hex.pptx
@@ -243,7 +243,7 @@
           <a:p>
             <a:fld id="{93CD692A-CBA6-4FBD-8A7E-FF5BFD45B280}" type="datetimeFigureOut">
               <a:rPr lang="en-US" smtClean="0"/>
-              <a:t>9/7/2016</a:t>
+              <a:t>12/6/2016</a:t>
             </a:fld>
             <a:endParaRPr lang="en-US"/>
           </a:p>
@@ -413,7 +413,7 @@
           <a:p>
             <a:fld id="{93CD692A-CBA6-4FBD-8A7E-FF5BFD45B280}" type="datetimeFigureOut">
               <a:rPr lang="en-US" smtClean="0"/>
-              <a:t>9/7/2016</a:t>
+              <a:t>12/6/2016</a:t>
             </a:fld>
             <a:endParaRPr lang="en-US"/>
           </a:p>
@@ -593,7 +593,7 @@
           <a:p>
             <a:fld id="{93CD692A-CBA6-4FBD-8A7E-FF5BFD45B280}" type="datetimeFigureOut">
               <a:rPr lang="en-US" smtClean="0"/>
-              <a:t>9/7/2016</a:t>
+              <a:t>12/6/2016</a:t>
             </a:fld>
             <a:endParaRPr lang="en-US"/>
           </a:p>
@@ -763,7 +763,7 @@
           <a:p>
             <a:fld id="{93CD692A-CBA6-4FBD-8A7E-FF5BFD45B280}" type="datetimeFigureOut">
               <a:rPr lang="en-US" smtClean="0"/>
-              <a:t>9/7/2016</a:t>
+              <a:t>12/6/2016</a:t>
             </a:fld>
             <a:endParaRPr lang="en-US"/>
           </a:p>
@@ -1007,7 +1007,7 @@
           <a:p>
             <a:fld id="{93CD692A-CBA6-4FBD-8A7E-FF5BFD45B280}" type="datetimeFigureOut">
               <a:rPr lang="en-US" smtClean="0"/>
-              <a:t>9/7/2016</a:t>
+              <a:t>12/6/2016</a:t>
             </a:fld>
             <a:endParaRPr lang="en-US"/>
           </a:p>
@@ -1239,7 +1239,7 @@
           <a:p>
             <a:fld id="{93CD692A-CBA6-4FBD-8A7E-FF5BFD45B280}" type="datetimeFigureOut">
               <a:rPr lang="en-US" smtClean="0"/>
-              <a:t>9/7/2016</a:t>
+              <a:t>12/6/2016</a:t>
             </a:fld>
             <a:endParaRPr lang="en-US"/>
           </a:p>
@@ -1606,7 +1606,7 @@
           <a:p>
             <a:fld id="{93CD692A-CBA6-4FBD-8A7E-FF5BFD45B280}" type="datetimeFigureOut">
               <a:rPr lang="en-US" smtClean="0"/>
-              <a:t>9/7/2016</a:t>
+              <a:t>12/6/2016</a:t>
             </a:fld>
             <a:endParaRPr lang="en-US"/>
           </a:p>
@@ -1724,7 +1724,7 @@
           <a:p>
             <a:fld id="{93CD692A-CBA6-4FBD-8A7E-FF5BFD45B280}" type="datetimeFigureOut">
               <a:rPr lang="en-US" smtClean="0"/>
-              <a:t>9/7/2016</a:t>
+              <a:t>12/6/2016</a:t>
             </a:fld>
             <a:endParaRPr lang="en-US"/>
           </a:p>
@@ -1819,7 +1819,7 @@
           <a:p>
             <a:fld id="{93CD692A-CBA6-4FBD-8A7E-FF5BFD45B280}" type="datetimeFigureOut">
               <a:rPr lang="en-US" smtClean="0"/>
-              <a:t>9/7/2016</a:t>
+              <a:t>12/6/2016</a:t>
             </a:fld>
             <a:endParaRPr lang="en-US"/>
           </a:p>
@@ -2096,7 +2096,7 @@
           <a:p>
             <a:fld id="{93CD692A-CBA6-4FBD-8A7E-FF5BFD45B280}" type="datetimeFigureOut">
               <a:rPr lang="en-US" smtClean="0"/>
-              <a:t>9/7/2016</a:t>
+              <a:t>12/6/2016</a:t>
             </a:fld>
             <a:endParaRPr lang="en-US"/>
           </a:p>
@@ -2353,7 +2353,7 @@
           <a:p>
             <a:fld id="{93CD692A-CBA6-4FBD-8A7E-FF5BFD45B280}" type="datetimeFigureOut">
               <a:rPr lang="en-US" smtClean="0"/>
-              <a:t>9/7/2016</a:t>
+              <a:t>12/6/2016</a:t>
             </a:fld>
             <a:endParaRPr lang="en-US"/>
           </a:p>
@@ -2566,7 +2566,7 @@
           <a:p>
             <a:fld id="{93CD692A-CBA6-4FBD-8A7E-FF5BFD45B280}" type="datetimeFigureOut">
               <a:rPr lang="en-US" smtClean="0"/>
-              <a:t>9/7/2016</a:t>
+              <a:t>12/6/2016</a:t>
             </a:fld>
             <a:endParaRPr lang="en-US"/>
           </a:p>
@@ -2979,10 +2979,10 @@
         </p:nvGrpSpPr>
         <p:grpSpPr>
           <a:xfrm>
-            <a:off x="-81456" y="-98472"/>
-            <a:ext cx="7853856" cy="6030434"/>
-            <a:chOff x="-81456" y="0"/>
-            <a:chExt cx="7853856" cy="6030434"/>
+            <a:off x="-78989" y="-98472"/>
+            <a:ext cx="7851389" cy="6030434"/>
+            <a:chOff x="-78989" y="0"/>
+            <a:chExt cx="7851389" cy="6030434"/>
           </a:xfrm>
         </p:grpSpPr>
         <p:grpSp>
@@ -2993,10 +2993,10 @@
           </p:nvGrpSpPr>
           <p:grpSpPr>
             <a:xfrm>
-              <a:off x="-81456" y="392272"/>
-              <a:ext cx="7853856" cy="5638162"/>
-              <a:chOff x="-91042" y="66957"/>
-              <a:chExt cx="7853856" cy="5638162"/>
+              <a:off x="-78989" y="392272"/>
+              <a:ext cx="7851389" cy="5638162"/>
+              <a:chOff x="-88575" y="66957"/>
+              <a:chExt cx="7851389" cy="5638162"/>
             </a:xfrm>
           </p:grpSpPr>
           <p:grpSp>
@@ -3009,10 +3009,10 @@
             </p:nvGrpSpPr>
             <p:grpSpPr>
               <a:xfrm>
-                <a:off x="-91042" y="66957"/>
-                <a:ext cx="7768837" cy="5638162"/>
-                <a:chOff x="4385197" y="932323"/>
-                <a:chExt cx="6241740" cy="4529885"/>
+                <a:off x="-88575" y="66957"/>
+                <a:ext cx="7766370" cy="5638162"/>
+                <a:chOff x="4387179" y="932323"/>
+                <a:chExt cx="6239758" cy="4529885"/>
               </a:xfrm>
             </p:grpSpPr>
             <p:grpSp>
@@ -3193,8 +3193,8 @@
                 </p:txBody>
               </p:sp>
             </p:grpSp>
-            <mc:AlternateContent xmlns:mc="http://schemas.openxmlformats.org/markup-compatibility/2006" xmlns:a14="http://schemas.microsoft.com/office/drawing/2010/main">
-              <mc:Choice Requires="a14">
+            <mc:AlternateContent xmlns:mc="http://schemas.openxmlformats.org/markup-compatibility/2006">
+              <mc:Choice xmlns:a14="http://schemas.microsoft.com/office/drawing/2010/main" Requires="a14">
                 <p:sp>
                   <p:nvSpPr>
                     <p:cNvPr id="37" name="TextBox 36"/>
@@ -3203,8 +3203,8 @@
                   </p:nvSpPr>
                   <p:spPr>
                     <a:xfrm rot="16200000">
-                      <a:off x="3872025" y="3256369"/>
-                      <a:ext cx="1425388" cy="399044"/>
+                      <a:off x="3776070" y="3162398"/>
+                      <a:ext cx="1617297" cy="395079"/>
                     </a:xfrm>
                     <a:prstGeom prst="rect">
                       <a:avLst/>
@@ -3222,7 +3222,7 @@
                           <m:sSub>
                             <m:sSubPr>
                               <m:ctrlPr>
-                                <a:rPr lang="en-US" sz="2400" i="1">
+                                <a:rPr lang="en-US" sz="2400" i="1" smtClean="0">
                                   <a:latin typeface="Cambria Math" panose="02040503050406030204" pitchFamily="18" charset="0"/>
                                 </a:rPr>
                               </m:ctrlPr>
@@ -3240,7 +3240,19 @@
                                 <a:rPr lang="en-US" sz="2400" i="1">
                                   <a:latin typeface="Cambria Math" panose="02040503050406030204" pitchFamily="18" charset="0"/>
                                 </a:rPr>
-                                <m:t>𝑔𝑒𝑜h𝑜𝑛𝑒</m:t>
+                                <m:t>𝑔𝑒𝑜</m:t>
+                              </m:r>
+                              <m:r>
+                                <a:rPr lang="en-US" sz="2400" b="0" i="1" smtClean="0">
+                                  <a:latin typeface="Cambria Math" panose="02040503050406030204" pitchFamily="18" charset="0"/>
+                                </a:rPr>
+                                <m:t>𝑝</m:t>
+                              </m:r>
+                              <m:r>
+                                <a:rPr lang="en-US" sz="2400" i="1">
+                                  <a:latin typeface="Cambria Math" panose="02040503050406030204" pitchFamily="18" charset="0"/>
+                                </a:rPr>
+                                <m:t>h𝑜𝑛𝑒</m:t>
                               </m:r>
                             </m:sub>
                           </m:sSub>
@@ -3260,10 +3272,10 @@
                   </p:txBody>
                 </p:sp>
               </mc:Choice>
-              <mc:Fallback xmlns="">
+              <mc:Fallback>
                 <p:sp>
                   <p:nvSpPr>
-                    <p:cNvPr id="29" name="TextBox 28"/>
+                    <p:cNvPr id="37" name="TextBox 36"/>
                     <p:cNvSpPr txBox="1">
                       <a:spLocks noRot="1" noChangeAspect="1" noMove="1" noResize="1" noEditPoints="1" noAdjustHandles="1" noChangeArrowheads="1" noChangeShapeType="1" noTextEdit="1"/>
                     </p:cNvSpPr>
@@ -3271,8 +3283,8 @@
                   </p:nvSpPr>
                   <p:spPr>
                     <a:xfrm rot="16200000">
-                      <a:off x="3872025" y="3256369"/>
-                      <a:ext cx="1425388" cy="399044"/>
+                      <a:off x="3776070" y="3162398"/>
+                      <a:ext cx="1617297" cy="395079"/>
                     </a:xfrm>
                     <a:prstGeom prst="rect">
                       <a:avLst/>
@@ -3280,7 +3292,7 @@
                     <a:blipFill rotWithShape="0">
                       <a:blip r:embed="rId4"/>
                       <a:stretch>
-                        <a:fillRect l="-8537" r="-20732" b="-687"/>
+                        <a:fillRect l="-8642" r="-22222" b="-606"/>
                       </a:stretch>
                     </a:blipFill>
                   </p:spPr>
